--- a/MRV_version2/Claudia/Guía_Usuario_Co_beneficio/Capturas_co_beneficios.pptx
+++ b/MRV_version2/Claudia/Guía_Usuario_Co_beneficio/Capturas_co_beneficios.pptx
@@ -110,6 +110,11 @@
       </a:defRPr>
     </a:lvl9pPr>
   </p:defaultTextStyle>
+  <p:extLst>
+    <p:ext uri="{EFAFB233-063F-42B5-8137-9DF3F51BA10A}">
+      <p15:sldGuideLst xmlns:p15="http://schemas.microsoft.com/office/powerpoint/2012/main"/>
+    </p:ext>
+  </p:extLst>
 </p:presentation>
 </file>
 
@@ -4560,7 +4565,7 @@
           <a:p>
             <a:fld id="{8D15D6AD-D661-4CF8-A8F9-557E97EAEB23}" type="datetimeFigureOut">
               <a:rPr lang="en-US" smtClean="0"/>
-              <a:t>7/5/2020</a:t>
+              <a:t>7/11/2020</a:t>
             </a:fld>
             <a:endParaRPr lang="en-US"/>
           </a:p>
@@ -4760,7 +4765,7 @@
           <a:p>
             <a:fld id="{8D15D6AD-D661-4CF8-A8F9-557E97EAEB23}" type="datetimeFigureOut">
               <a:rPr lang="en-US" smtClean="0"/>
-              <a:t>7/5/2020</a:t>
+              <a:t>7/11/2020</a:t>
             </a:fld>
             <a:endParaRPr lang="en-US"/>
           </a:p>
@@ -4970,7 +4975,7 @@
           <a:p>
             <a:fld id="{8D15D6AD-D661-4CF8-A8F9-557E97EAEB23}" type="datetimeFigureOut">
               <a:rPr lang="en-US" smtClean="0"/>
-              <a:t>7/5/2020</a:t>
+              <a:t>7/11/2020</a:t>
             </a:fld>
             <a:endParaRPr lang="en-US"/>
           </a:p>
@@ -5170,7 +5175,7 @@
           <a:p>
             <a:fld id="{8D15D6AD-D661-4CF8-A8F9-557E97EAEB23}" type="datetimeFigureOut">
               <a:rPr lang="en-US" smtClean="0"/>
-              <a:t>7/5/2020</a:t>
+              <a:t>7/11/2020</a:t>
             </a:fld>
             <a:endParaRPr lang="en-US"/>
           </a:p>
@@ -5446,7 +5451,7 @@
           <a:p>
             <a:fld id="{8D15D6AD-D661-4CF8-A8F9-557E97EAEB23}" type="datetimeFigureOut">
               <a:rPr lang="en-US" smtClean="0"/>
-              <a:t>7/5/2020</a:t>
+              <a:t>7/11/2020</a:t>
             </a:fld>
             <a:endParaRPr lang="en-US"/>
           </a:p>
@@ -5714,7 +5719,7 @@
           <a:p>
             <a:fld id="{8D15D6AD-D661-4CF8-A8F9-557E97EAEB23}" type="datetimeFigureOut">
               <a:rPr lang="en-US" smtClean="0"/>
-              <a:t>7/5/2020</a:t>
+              <a:t>7/11/2020</a:t>
             </a:fld>
             <a:endParaRPr lang="en-US"/>
           </a:p>
@@ -6129,7 +6134,7 @@
           <a:p>
             <a:fld id="{8D15D6AD-D661-4CF8-A8F9-557E97EAEB23}" type="datetimeFigureOut">
               <a:rPr lang="en-US" smtClean="0"/>
-              <a:t>7/5/2020</a:t>
+              <a:t>7/11/2020</a:t>
             </a:fld>
             <a:endParaRPr lang="en-US"/>
           </a:p>
@@ -6271,7 +6276,7 @@
           <a:p>
             <a:fld id="{8D15D6AD-D661-4CF8-A8F9-557E97EAEB23}" type="datetimeFigureOut">
               <a:rPr lang="en-US" smtClean="0"/>
-              <a:t>7/5/2020</a:t>
+              <a:t>7/11/2020</a:t>
             </a:fld>
             <a:endParaRPr lang="en-US"/>
           </a:p>
@@ -6384,7 +6389,7 @@
           <a:p>
             <a:fld id="{8D15D6AD-D661-4CF8-A8F9-557E97EAEB23}" type="datetimeFigureOut">
               <a:rPr lang="en-US" smtClean="0"/>
-              <a:t>7/5/2020</a:t>
+              <a:t>7/11/2020</a:t>
             </a:fld>
             <a:endParaRPr lang="en-US"/>
           </a:p>
@@ -6697,7 +6702,7 @@
           <a:p>
             <a:fld id="{8D15D6AD-D661-4CF8-A8F9-557E97EAEB23}" type="datetimeFigureOut">
               <a:rPr lang="en-US" smtClean="0"/>
-              <a:t>7/5/2020</a:t>
+              <a:t>7/11/2020</a:t>
             </a:fld>
             <a:endParaRPr lang="en-US"/>
           </a:p>
@@ -6986,7 +6991,7 @@
           <a:p>
             <a:fld id="{8D15D6AD-D661-4CF8-A8F9-557E97EAEB23}" type="datetimeFigureOut">
               <a:rPr lang="en-US" smtClean="0"/>
-              <a:t>7/5/2020</a:t>
+              <a:t>7/11/2020</a:t>
             </a:fld>
             <a:endParaRPr lang="en-US"/>
           </a:p>
@@ -7229,7 +7234,7 @@
           <a:p>
             <a:fld id="{8D15D6AD-D661-4CF8-A8F9-557E97EAEB23}" type="datetimeFigureOut">
               <a:rPr lang="en-US" smtClean="0"/>
-              <a:t>7/5/2020</a:t>
+              <a:t>7/11/2020</a:t>
             </a:fld>
             <a:endParaRPr lang="en-US"/>
           </a:p>
@@ -7843,8 +7848,9 @@
           <a:noFill/>
           <a:ln w="28575">
             <a:solidFill>
-              <a:srgbClr val="C00000"/>
+              <a:srgbClr val="FF0000"/>
             </a:solidFill>
+            <a:prstDash val="dash"/>
           </a:ln>
         </p:spPr>
         <p:style>
@@ -7942,7 +7948,7 @@
           </a:prstGeom>
           <a:ln w="28575">
             <a:solidFill>
-              <a:srgbClr val="C00000"/>
+              <a:srgbClr val="FF0000"/>
             </a:solidFill>
             <a:tailEnd type="triangle"/>
           </a:ln>
@@ -8391,8 +8397,9 @@
           <a:noFill/>
           <a:ln w="28575">
             <a:solidFill>
-              <a:srgbClr val="C00000"/>
+              <a:srgbClr val="FF0000"/>
             </a:solidFill>
+            <a:prstDash val="dash"/>
           </a:ln>
         </p:spPr>
         <p:style>
@@ -8448,7 +8455,7 @@
           </a:prstGeom>
           <a:ln w="28575">
             <a:solidFill>
-              <a:srgbClr val="C00000"/>
+              <a:srgbClr val="FF0000"/>
             </a:solidFill>
             <a:tailEnd type="triangle"/>
           </a:ln>
@@ -8536,7 +8543,7 @@
           </a:prstGeom>
           <a:ln w="28575">
             <a:solidFill>
-              <a:srgbClr val="C00000"/>
+              <a:srgbClr val="FF0000"/>
             </a:solidFill>
             <a:tailEnd type="triangle"/>
           </a:ln>
